--- a/Power bi/Meetup 20062023.pptx
+++ b/Power bi/Meetup 20062023.pptx
@@ -2,50 +2,50 @@
 <file path=ppt/presentation.xml><?xml version="1.0" encoding="utf-8"?>
 <p:presentation xmlns:a="http://schemas.openxmlformats.org/drawingml/2006/main" xmlns:r="http://schemas.openxmlformats.org/officeDocument/2006/relationships" xmlns:p="http://schemas.openxmlformats.org/presentationml/2006/main" saveSubsetFonts="1">
   <p:sldMasterIdLst>
-    <p:sldMasterId id="2147483648" r:id="rId1"/>
+    <p:sldMasterId id="2147483648" r:id="rId4"/>
   </p:sldMasterIdLst>
   <p:notesMasterIdLst>
-    <p:notesMasterId r:id="rId40"/>
+    <p:notesMasterId r:id="rId43"/>
   </p:notesMasterIdLst>
   <p:sldIdLst>
-    <p:sldId id="256" r:id="rId2"/>
-    <p:sldId id="444" r:id="rId3"/>
-    <p:sldId id="491" r:id="rId4"/>
-    <p:sldId id="454" r:id="rId5"/>
-    <p:sldId id="455" r:id="rId6"/>
-    <p:sldId id="456" r:id="rId7"/>
-    <p:sldId id="457" r:id="rId8"/>
-    <p:sldId id="458" r:id="rId9"/>
-    <p:sldId id="459" r:id="rId10"/>
-    <p:sldId id="460" r:id="rId11"/>
-    <p:sldId id="461" r:id="rId12"/>
-    <p:sldId id="462" r:id="rId13"/>
-    <p:sldId id="463" r:id="rId14"/>
-    <p:sldId id="464" r:id="rId15"/>
-    <p:sldId id="465" r:id="rId16"/>
-    <p:sldId id="466" r:id="rId17"/>
-    <p:sldId id="468" r:id="rId18"/>
-    <p:sldId id="469" r:id="rId19"/>
-    <p:sldId id="470" r:id="rId20"/>
-    <p:sldId id="471" r:id="rId21"/>
-    <p:sldId id="472" r:id="rId22"/>
-    <p:sldId id="473" r:id="rId23"/>
-    <p:sldId id="474" r:id="rId24"/>
-    <p:sldId id="475" r:id="rId25"/>
-    <p:sldId id="488" r:id="rId26"/>
-    <p:sldId id="489" r:id="rId27"/>
-    <p:sldId id="490" r:id="rId28"/>
-    <p:sldId id="483" r:id="rId29"/>
-    <p:sldId id="478" r:id="rId30"/>
-    <p:sldId id="479" r:id="rId31"/>
-    <p:sldId id="480" r:id="rId32"/>
-    <p:sldId id="481" r:id="rId33"/>
-    <p:sldId id="482" r:id="rId34"/>
-    <p:sldId id="484" r:id="rId35"/>
-    <p:sldId id="485" r:id="rId36"/>
-    <p:sldId id="486" r:id="rId37"/>
-    <p:sldId id="487" r:id="rId38"/>
-    <p:sldId id="477" r:id="rId39"/>
+    <p:sldId id="256" r:id="rId5"/>
+    <p:sldId id="444" r:id="rId6"/>
+    <p:sldId id="491" r:id="rId7"/>
+    <p:sldId id="454" r:id="rId8"/>
+    <p:sldId id="455" r:id="rId9"/>
+    <p:sldId id="456" r:id="rId10"/>
+    <p:sldId id="457" r:id="rId11"/>
+    <p:sldId id="458" r:id="rId12"/>
+    <p:sldId id="459" r:id="rId13"/>
+    <p:sldId id="460" r:id="rId14"/>
+    <p:sldId id="461" r:id="rId15"/>
+    <p:sldId id="462" r:id="rId16"/>
+    <p:sldId id="463" r:id="rId17"/>
+    <p:sldId id="464" r:id="rId18"/>
+    <p:sldId id="465" r:id="rId19"/>
+    <p:sldId id="466" r:id="rId20"/>
+    <p:sldId id="468" r:id="rId21"/>
+    <p:sldId id="469" r:id="rId22"/>
+    <p:sldId id="470" r:id="rId23"/>
+    <p:sldId id="471" r:id="rId24"/>
+    <p:sldId id="472" r:id="rId25"/>
+    <p:sldId id="473" r:id="rId26"/>
+    <p:sldId id="474" r:id="rId27"/>
+    <p:sldId id="475" r:id="rId28"/>
+    <p:sldId id="488" r:id="rId29"/>
+    <p:sldId id="489" r:id="rId30"/>
+    <p:sldId id="490" r:id="rId31"/>
+    <p:sldId id="483" r:id="rId32"/>
+    <p:sldId id="478" r:id="rId33"/>
+    <p:sldId id="479" r:id="rId34"/>
+    <p:sldId id="480" r:id="rId35"/>
+    <p:sldId id="481" r:id="rId36"/>
+    <p:sldId id="482" r:id="rId37"/>
+    <p:sldId id="484" r:id="rId38"/>
+    <p:sldId id="485" r:id="rId39"/>
+    <p:sldId id="486" r:id="rId40"/>
+    <p:sldId id="487" r:id="rId41"/>
+    <p:sldId id="477" r:id="rId42"/>
   </p:sldIdLst>
   <p:sldSz cx="12192000" cy="6858000"/>
   <p:notesSz cx="6858000" cy="9144000"/>
@@ -155,7 +155,7 @@
 <file path=ppt/revisionInfo.xml><?xml version="1.0" encoding="utf-8"?>
 <p1510:revInfo xmlns:a="http://schemas.openxmlformats.org/drawingml/2006/main" xmlns:r="http://schemas.openxmlformats.org/officeDocument/2006/relationships" xmlns:p1510="http://schemas.microsoft.com/office/powerpoint/2015/10/main">
   <p1510:revLst>
-    <p1510:client id="{CCD2A17E-E2B2-459A-95C0-2605ED60034D}" v="191" dt="2023-06-20T10:25:28.501"/>
+    <p1510:client id="{5653951D-3AB1-4180-B71C-611719C4FDB8}" v="2" dt="2023-11-29T05:34:04.422"/>
   </p1510:revLst>
 </p1510:revInfo>
 </file>
@@ -440,7 +440,7 @@
           <a:p>
             <a:fld id="{B845810B-1D0F-4C89-84EC-D7553266B84D}" type="datetimeFigureOut">
               <a:rPr lang="he-IL" smtClean="0"/>
-              <a:t>ב'/תמוז/תשפ"ג</a:t>
+              <a:t>ט"ז/כסלו/תשפ"ד</a:t>
             </a:fld>
             <a:endParaRPr lang="he-IL"/>
           </a:p>
@@ -941,7 +941,7 @@
           <a:p>
             <a:fld id="{014B624C-3784-41DC-AD10-F761CDB38FC0}" type="datetimeFigureOut">
               <a:rPr lang="he-IL" smtClean="0"/>
-              <a:t>ב'/תמוז/תשפ"ג</a:t>
+              <a:t>ט"ז/כסלו/תשפ"ד</a:t>
             </a:fld>
             <a:endParaRPr lang="he-IL"/>
           </a:p>
@@ -1141,7 +1141,7 @@
           <a:p>
             <a:fld id="{014B624C-3784-41DC-AD10-F761CDB38FC0}" type="datetimeFigureOut">
               <a:rPr lang="he-IL" smtClean="0"/>
-              <a:t>ב'/תמוז/תשפ"ג</a:t>
+              <a:t>ט"ז/כסלו/תשפ"ד</a:t>
             </a:fld>
             <a:endParaRPr lang="he-IL"/>
           </a:p>
@@ -1351,7 +1351,7 @@
           <a:p>
             <a:fld id="{014B624C-3784-41DC-AD10-F761CDB38FC0}" type="datetimeFigureOut">
               <a:rPr lang="he-IL" smtClean="0"/>
-              <a:t>ב'/תמוז/תשפ"ג</a:t>
+              <a:t>ט"ז/כסלו/תשפ"ד</a:t>
             </a:fld>
             <a:endParaRPr lang="he-IL"/>
           </a:p>
@@ -1551,7 +1551,7 @@
           <a:p>
             <a:fld id="{014B624C-3784-41DC-AD10-F761CDB38FC0}" type="datetimeFigureOut">
               <a:rPr lang="he-IL" smtClean="0"/>
-              <a:t>ב'/תמוז/תשפ"ג</a:t>
+              <a:t>ט"ז/כסלו/תשפ"ד</a:t>
             </a:fld>
             <a:endParaRPr lang="he-IL"/>
           </a:p>
@@ -1827,7 +1827,7 @@
           <a:p>
             <a:fld id="{014B624C-3784-41DC-AD10-F761CDB38FC0}" type="datetimeFigureOut">
               <a:rPr lang="he-IL" smtClean="0"/>
-              <a:t>ב'/תמוז/תשפ"ג</a:t>
+              <a:t>ט"ז/כסלו/תשפ"ד</a:t>
             </a:fld>
             <a:endParaRPr lang="he-IL"/>
           </a:p>
@@ -2095,7 +2095,7 @@
           <a:p>
             <a:fld id="{014B624C-3784-41DC-AD10-F761CDB38FC0}" type="datetimeFigureOut">
               <a:rPr lang="he-IL" smtClean="0"/>
-              <a:t>ב'/תמוז/תשפ"ג</a:t>
+              <a:t>ט"ז/כסלו/תשפ"ד</a:t>
             </a:fld>
             <a:endParaRPr lang="he-IL"/>
           </a:p>
@@ -2510,7 +2510,7 @@
           <a:p>
             <a:fld id="{014B624C-3784-41DC-AD10-F761CDB38FC0}" type="datetimeFigureOut">
               <a:rPr lang="he-IL" smtClean="0"/>
-              <a:t>ב'/תמוז/תשפ"ג</a:t>
+              <a:t>ט"ז/כסלו/תשפ"ד</a:t>
             </a:fld>
             <a:endParaRPr lang="he-IL"/>
           </a:p>
@@ -2652,7 +2652,7 @@
           <a:p>
             <a:fld id="{014B624C-3784-41DC-AD10-F761CDB38FC0}" type="datetimeFigureOut">
               <a:rPr lang="he-IL" smtClean="0"/>
-              <a:t>ב'/תמוז/תשפ"ג</a:t>
+              <a:t>ט"ז/כסלו/תשפ"ד</a:t>
             </a:fld>
             <a:endParaRPr lang="he-IL"/>
           </a:p>
@@ -2765,7 +2765,7 @@
           <a:p>
             <a:fld id="{014B624C-3784-41DC-AD10-F761CDB38FC0}" type="datetimeFigureOut">
               <a:rPr lang="he-IL" smtClean="0"/>
-              <a:t>ב'/תמוז/תשפ"ג</a:t>
+              <a:t>ט"ז/כסלו/תשפ"ד</a:t>
             </a:fld>
             <a:endParaRPr lang="he-IL"/>
           </a:p>
@@ -3078,7 +3078,7 @@
           <a:p>
             <a:fld id="{014B624C-3784-41DC-AD10-F761CDB38FC0}" type="datetimeFigureOut">
               <a:rPr lang="he-IL" smtClean="0"/>
-              <a:t>ב'/תמוז/תשפ"ג</a:t>
+              <a:t>ט"ז/כסלו/תשפ"ד</a:t>
             </a:fld>
             <a:endParaRPr lang="he-IL"/>
           </a:p>
@@ -3367,7 +3367,7 @@
           <a:p>
             <a:fld id="{014B624C-3784-41DC-AD10-F761CDB38FC0}" type="datetimeFigureOut">
               <a:rPr lang="he-IL" smtClean="0"/>
-              <a:t>ב'/תמוז/תשפ"ג</a:t>
+              <a:t>ט"ז/כסלו/תשפ"ד</a:t>
             </a:fld>
             <a:endParaRPr lang="he-IL"/>
           </a:p>
@@ -3610,7 +3610,7 @@
           <a:p>
             <a:fld id="{014B624C-3784-41DC-AD10-F761CDB38FC0}" type="datetimeFigureOut">
               <a:rPr lang="he-IL" smtClean="0"/>
-              <a:t>ב'/תמוז/תשפ"ג</a:t>
+              <a:t>ט"ז/כסלו/תשפ"ד</a:t>
             </a:fld>
             <a:endParaRPr lang="he-IL"/>
           </a:p>
@@ -22651,8 +22651,28 @@
 </file>
 
 <file path=customXml/item1.xml><?xml version="1.0" encoding="utf-8"?>
-<ct:contentTypeSchema xmlns:ct="http://schemas.microsoft.com/office/2006/metadata/contentType" xmlns:ma="http://schemas.microsoft.com/office/2006/metadata/properties/metaAttributes" ct:_="" ma:_="" ma:contentTypeName="Document" ma:contentTypeID="0x010100A0B9F8B3991C594AB7A558D53E9A462C" ma:contentTypeVersion="16" ma:contentTypeDescription="Create a new document." ma:contentTypeScope="" ma:versionID="94f7033f07b48140e4e9e407db379254">
-  <xsd:schema xmlns:xsd="http://www.w3.org/2001/XMLSchema" xmlns:xs="http://www.w3.org/2001/XMLSchema" xmlns:p="http://schemas.microsoft.com/office/2006/metadata/properties" xmlns:ns2="1c853891-79e1-4665-8425-27cfb243d1fd" xmlns:ns3="c8f11c67-c3b6-4b83-8087-70e71e9ec41f" targetNamespace="http://schemas.microsoft.com/office/2006/metadata/properties" ma:root="true" ma:fieldsID="51e63efaace8fc189d6558b857620248" ns2:_="" ns3:_="">
+<p:properties xmlns:p="http://schemas.microsoft.com/office/2006/metadata/properties" xmlns:xsi="http://www.w3.org/2001/XMLSchema-instance" xmlns:pc="http://schemas.microsoft.com/office/infopath/2007/PartnerControls">
+  <documentManagement>
+    <lcf76f155ced4ddcb4097134ff3c332f xmlns="1c853891-79e1-4665-8425-27cfb243d1fd">
+      <Terms xmlns="http://schemas.microsoft.com/office/infopath/2007/PartnerControls"/>
+    </lcf76f155ced4ddcb4097134ff3c332f>
+    <TaxCatchAll xmlns="c8f11c67-c3b6-4b83-8087-70e71e9ec41f" xsi:nil="true"/>
+  </documentManagement>
+</p:properties>
+</file>
+
+<file path=customXml/item2.xml><?xml version="1.0" encoding="utf-8"?>
+<?mso-contentType ?>
+<FormTemplates xmlns="http://schemas.microsoft.com/sharepoint/v3/contenttype/forms">
+  <Display>DocumentLibraryForm</Display>
+  <Edit>DocumentLibraryForm</Edit>
+  <New>DocumentLibraryForm</New>
+</FormTemplates>
+</file>
+
+<file path=customXml/item3.xml><?xml version="1.0" encoding="utf-8"?>
+<ct:contentTypeSchema xmlns:ct="http://schemas.microsoft.com/office/2006/metadata/contentType" xmlns:ma="http://schemas.microsoft.com/office/2006/metadata/properties/metaAttributes" ct:_="" ma:_="" ma:contentTypeName="Document" ma:contentTypeID="0x010100A0B9F8B3991C594AB7A558D53E9A462C" ma:contentTypeVersion="18" ma:contentTypeDescription="Create a new document." ma:contentTypeScope="" ma:versionID="9ad76792cbb562e3508edc3197278081">
+  <xsd:schema xmlns:xsd="http://www.w3.org/2001/XMLSchema" xmlns:xs="http://www.w3.org/2001/XMLSchema" xmlns:p="http://schemas.microsoft.com/office/2006/metadata/properties" xmlns:ns2="1c853891-79e1-4665-8425-27cfb243d1fd" xmlns:ns3="c8f11c67-c3b6-4b83-8087-70e71e9ec41f" targetNamespace="http://schemas.microsoft.com/office/2006/metadata/properties" ma:root="true" ma:fieldsID="ebd3767b36f80078c7870998be16d555" ns2:_="" ns3:_="">
     <xsd:import namespace="1c853891-79e1-4665-8425-27cfb243d1fd"/>
     <xsd:import namespace="c8f11c67-c3b6-4b83-8087-70e71e9ec41f"/>
     <xsd:element name="properties">
@@ -22676,6 +22696,8 @@
                 <xsd:element ref="ns2:MediaLengthInSeconds" minOccurs="0"/>
                 <xsd:element ref="ns2:lcf76f155ced4ddcb4097134ff3c332f" minOccurs="0"/>
                 <xsd:element ref="ns3:TaxCatchAll" minOccurs="0"/>
+                <xsd:element ref="ns2:MediaServiceObjectDetectorVersions" minOccurs="0"/>
+                <xsd:element ref="ns2:MediaServiceSearchProperties" minOccurs="0"/>
               </xsd:all>
             </xsd:complexType>
           </xsd:element>
@@ -22751,6 +22773,16 @@
           <xsd:element ref="pc:Terms" minOccurs="0" maxOccurs="1"/>
         </xsd:sequence>
       </xsd:complexType>
+    </xsd:element>
+    <xsd:element name="MediaServiceObjectDetectorVersions" ma:index="24" nillable="true" ma:displayName="MediaServiceObjectDetectorVersions" ma:description="" ma:hidden="true" ma:indexed="true" ma:internalName="MediaServiceObjectDetectorVersions" ma:readOnly="true">
+      <xsd:simpleType>
+        <xsd:restriction base="dms:Text"/>
+      </xsd:simpleType>
+    </xsd:element>
+    <xsd:element name="MediaServiceSearchProperties" ma:index="25" nillable="true" ma:displayName="MediaServiceSearchProperties" ma:hidden="true" ma:internalName="MediaServiceSearchProperties" ma:readOnly="true">
+      <xsd:simpleType>
+        <xsd:restriction base="dms:Note"/>
+      </xsd:simpleType>
     </xsd:element>
   </xsd:schema>
   <xsd:schema xmlns:xsd="http://www.w3.org/2001/XMLSchema" xmlns:xs="http://www.w3.org/2001/XMLSchema" xmlns:dms="http://schemas.microsoft.com/office/2006/documentManagement/types" xmlns:pc="http://schemas.microsoft.com/office/infopath/2007/PartnerControls" targetNamespace="c8f11c67-c3b6-4b83-8087-70e71e9ec41f" elementFormDefault="qualified">
@@ -22893,34 +22925,25 @@
 </ct:contentTypeSchema>
 </file>
 
-<file path=customXml/item2.xml><?xml version="1.0" encoding="utf-8"?>
-<?mso-contentType ?>
-<FormTemplates xmlns="http://schemas.microsoft.com/sharepoint/v3/contenttype/forms">
-  <Display>DocumentLibraryForm</Display>
-  <Edit>DocumentLibraryForm</Edit>
-  <New>DocumentLibraryForm</New>
-</FormTemplates>
-</file>
-
-<file path=customXml/item3.xml><?xml version="1.0" encoding="utf-8"?>
-<p:properties xmlns:p="http://schemas.microsoft.com/office/2006/metadata/properties" xmlns:xsi="http://www.w3.org/2001/XMLSchema-instance" xmlns:pc="http://schemas.microsoft.com/office/infopath/2007/PartnerControls">
-  <documentManagement>
-    <lcf76f155ced4ddcb4097134ff3c332f xmlns="1c853891-79e1-4665-8425-27cfb243d1fd">
-      <Terms xmlns="http://schemas.microsoft.com/office/infopath/2007/PartnerControls"/>
-    </lcf76f155ced4ddcb4097134ff3c332f>
-    <TaxCatchAll xmlns="c8f11c67-c3b6-4b83-8087-70e71e9ec41f" xsi:nil="true"/>
-  </documentManagement>
-</p:properties>
-</file>
-
 <file path=customXml/itemProps1.xml><?xml version="1.0" encoding="utf-8"?>
-<ds:datastoreItem xmlns:ds="http://schemas.openxmlformats.org/officeDocument/2006/customXml" ds:itemID="{79415893-A9A3-4CD1-8E3D-AC14B6F20F57}"/>
+<ds:datastoreItem xmlns:ds="http://schemas.openxmlformats.org/officeDocument/2006/customXml" ds:itemID="{CCFEEB3F-07E0-45C3-A833-289C2CF3A6F2}">
+  <ds:schemaRefs>
+    <ds:schemaRef ds:uri="http://schemas.microsoft.com/office/2006/metadata/properties"/>
+    <ds:schemaRef ds:uri="http://schemas.microsoft.com/office/infopath/2007/PartnerControls"/>
+    <ds:schemaRef ds:uri="1c853891-79e1-4665-8425-27cfb243d1fd"/>
+    <ds:schemaRef ds:uri="c8f11c67-c3b6-4b83-8087-70e71e9ec41f"/>
+  </ds:schemaRefs>
+</ds:datastoreItem>
 </file>
 
 <file path=customXml/itemProps2.xml><?xml version="1.0" encoding="utf-8"?>
-<ds:datastoreItem xmlns:ds="http://schemas.openxmlformats.org/officeDocument/2006/customXml" ds:itemID="{6161BE30-5020-4C8A-B928-DB25B006F70E}"/>
+<ds:datastoreItem xmlns:ds="http://schemas.openxmlformats.org/officeDocument/2006/customXml" ds:itemID="{6161BE30-5020-4C8A-B928-DB25B006F70E}">
+  <ds:schemaRefs>
+    <ds:schemaRef ds:uri="http://schemas.microsoft.com/sharepoint/v3/contenttype/forms"/>
+  </ds:schemaRefs>
+</ds:datastoreItem>
 </file>
 
 <file path=customXml/itemProps3.xml><?xml version="1.0" encoding="utf-8"?>
-<ds:datastoreItem xmlns:ds="http://schemas.openxmlformats.org/officeDocument/2006/customXml" ds:itemID="{CCFEEB3F-07E0-45C3-A833-289C2CF3A6F2}"/>
+<ds:datastoreItem xmlns:ds="http://schemas.openxmlformats.org/officeDocument/2006/customXml" ds:itemID="{7D90577A-BE7E-4617-9FF4-53E125753DC0}"/>
 </file>